--- a/Materi/Pertemuan - 10 Study Case - List Data.pptx
+++ b/Materi/Pertemuan - 10 Study Case - List Data.pptx
@@ -11422,6 +11422,149 @@
               <a:cs typeface="Times New Roman" panose="02020603050405020304" pitchFamily="18" charset="0"/>
             </a:endParaRPr>
           </a:p>
+          <a:p>
+            <a:pPr marL="285750" marR="0" indent="-285750">
+              <a:lnSpc>
+                <a:spcPct val="107000"/>
+              </a:lnSpc>
+              <a:spcBef>
+                <a:spcPts val="0"/>
+              </a:spcBef>
+              <a:spcAft>
+                <a:spcPts val="800"/>
+              </a:spcAft>
+              <a:buFont typeface="Arial" panose="020B0604020202020204" pitchFamily="34" charset="0"/>
+              <a:buChar char="•"/>
+            </a:pPr>
+            <a:endParaRPr lang="en-ID" sz="1800" dirty="0">
+              <a:latin typeface="Calibri" panose="020F0502020204030204" pitchFamily="34" charset="0"/>
+              <a:ea typeface="Calibri" panose="020F0502020204030204" pitchFamily="34" charset="0"/>
+              <a:cs typeface="Times New Roman" panose="02020603050405020304" pitchFamily="18" charset="0"/>
+            </a:endParaRPr>
+          </a:p>
+          <a:p>
+            <a:pPr marL="285750" marR="0" indent="-285750">
+              <a:lnSpc>
+                <a:spcPct val="107000"/>
+              </a:lnSpc>
+              <a:spcBef>
+                <a:spcPts val="0"/>
+              </a:spcBef>
+              <a:spcAft>
+                <a:spcPts val="800"/>
+              </a:spcAft>
+              <a:buFont typeface="Arial" panose="020B0604020202020204" pitchFamily="34" charset="0"/>
+              <a:buChar char="•"/>
+            </a:pPr>
+            <a:r>
+              <a:rPr lang="en-ID" sz="1800" b="1" dirty="0" err="1">
+                <a:effectLst/>
+                <a:latin typeface="Calibri" panose="020F0502020204030204" pitchFamily="34" charset="0"/>
+                <a:ea typeface="Calibri" panose="020F0502020204030204" pitchFamily="34" charset="0"/>
+                <a:cs typeface="Times New Roman" panose="02020603050405020304" pitchFamily="18" charset="0"/>
+              </a:rPr>
+              <a:t>Tujuan</a:t>
+            </a:r>
+            <a:r>
+              <a:rPr lang="en-ID" sz="1800" dirty="0">
+                <a:effectLst/>
+                <a:latin typeface="Calibri" panose="020F0502020204030204" pitchFamily="34" charset="0"/>
+                <a:ea typeface="Calibri" panose="020F0502020204030204" pitchFamily="34" charset="0"/>
+                <a:cs typeface="Times New Roman" panose="02020603050405020304" pitchFamily="18" charset="0"/>
+              </a:rPr>
+              <a:t> : </a:t>
+            </a:r>
+            <a:r>
+              <a:rPr lang="en-ID" sz="1800" dirty="0" err="1">
+                <a:effectLst/>
+                <a:latin typeface="Calibri" panose="020F0502020204030204" pitchFamily="34" charset="0"/>
+                <a:ea typeface="Calibri" panose="020F0502020204030204" pitchFamily="34" charset="0"/>
+                <a:cs typeface="Times New Roman" panose="02020603050405020304" pitchFamily="18" charset="0"/>
+              </a:rPr>
+              <a:t>mengambil</a:t>
+            </a:r>
+            <a:r>
+              <a:rPr lang="en-ID" sz="1800" dirty="0">
+                <a:effectLst/>
+                <a:latin typeface="Calibri" panose="020F0502020204030204" pitchFamily="34" charset="0"/>
+                <a:ea typeface="Calibri" panose="020F0502020204030204" pitchFamily="34" charset="0"/>
+                <a:cs typeface="Times New Roman" panose="02020603050405020304" pitchFamily="18" charset="0"/>
+              </a:rPr>
+              <a:t> data </a:t>
+            </a:r>
+            <a:r>
+              <a:rPr lang="en-ID" sz="1800" dirty="0" err="1">
+                <a:effectLst/>
+                <a:latin typeface="Calibri" panose="020F0502020204030204" pitchFamily="34" charset="0"/>
+                <a:ea typeface="Calibri" panose="020F0502020204030204" pitchFamily="34" charset="0"/>
+                <a:cs typeface="Times New Roman" panose="02020603050405020304" pitchFamily="18" charset="0"/>
+              </a:rPr>
+              <a:t>dari</a:t>
+            </a:r>
+            <a:r>
+              <a:rPr lang="en-ID" sz="1800" dirty="0">
+                <a:effectLst/>
+                <a:latin typeface="Calibri" panose="020F0502020204030204" pitchFamily="34" charset="0"/>
+                <a:ea typeface="Calibri" panose="020F0502020204030204" pitchFamily="34" charset="0"/>
+                <a:cs typeface="Times New Roman" panose="02020603050405020304" pitchFamily="18" charset="0"/>
+              </a:rPr>
+              <a:t> database dan </a:t>
+            </a:r>
+            <a:r>
+              <a:rPr lang="en-ID" sz="1800" dirty="0" err="1">
+                <a:effectLst/>
+                <a:latin typeface="Calibri" panose="020F0502020204030204" pitchFamily="34" charset="0"/>
+                <a:ea typeface="Calibri" panose="020F0502020204030204" pitchFamily="34" charset="0"/>
+                <a:cs typeface="Times New Roman" panose="02020603050405020304" pitchFamily="18" charset="0"/>
+              </a:rPr>
+              <a:t>menampilkan</a:t>
+            </a:r>
+            <a:r>
+              <a:rPr lang="en-ID" sz="1800" dirty="0">
+                <a:effectLst/>
+                <a:latin typeface="Calibri" panose="020F0502020204030204" pitchFamily="34" charset="0"/>
+                <a:ea typeface="Calibri" panose="020F0502020204030204" pitchFamily="34" charset="0"/>
+                <a:cs typeface="Times New Roman" panose="02020603050405020304" pitchFamily="18" charset="0"/>
+              </a:rPr>
+              <a:t> di </a:t>
+            </a:r>
+            <a:r>
+              <a:rPr lang="en-ID" sz="1800" dirty="0" err="1">
+                <a:effectLst/>
+                <a:latin typeface="Calibri" panose="020F0502020204030204" pitchFamily="34" charset="0"/>
+                <a:ea typeface="Calibri" panose="020F0502020204030204" pitchFamily="34" charset="0"/>
+                <a:cs typeface="Times New Roman" panose="02020603050405020304" pitchFamily="18" charset="0"/>
+              </a:rPr>
+              <a:t>halaman</a:t>
+            </a:r>
+            <a:r>
+              <a:rPr lang="en-ID" sz="1800" dirty="0">
+                <a:effectLst/>
+                <a:latin typeface="Calibri" panose="020F0502020204030204" pitchFamily="34" charset="0"/>
+                <a:ea typeface="Calibri" panose="020F0502020204030204" pitchFamily="34" charset="0"/>
+                <a:cs typeface="Times New Roman" panose="02020603050405020304" pitchFamily="18" charset="0"/>
+              </a:rPr>
+              <a:t> web </a:t>
+            </a:r>
+            <a:r>
+              <a:rPr lang="en-ID" sz="1800" dirty="0" err="1">
+                <a:effectLst/>
+                <a:latin typeface="Calibri" panose="020F0502020204030204" pitchFamily="34" charset="0"/>
+                <a:ea typeface="Calibri" panose="020F0502020204030204" pitchFamily="34" charset="0"/>
+                <a:cs typeface="Times New Roman" panose="02020603050405020304" pitchFamily="18" charset="0"/>
+              </a:rPr>
+              <a:t>dengan</a:t>
+            </a:r>
+            <a:r>
+              <a:rPr lang="en-ID" sz="1800" dirty="0">
+                <a:effectLst/>
+                <a:latin typeface="Calibri" panose="020F0502020204030204" pitchFamily="34" charset="0"/>
+                <a:ea typeface="Calibri" panose="020F0502020204030204" pitchFamily="34" charset="0"/>
+                <a:cs typeface="Times New Roman" panose="02020603050405020304" pitchFamily="18" charset="0"/>
+              </a:rPr>
+              <a:t> PHP</a:t>
+            </a:r>
+          </a:p>
         </p:txBody>
       </p:sp>
     </p:spTree>
@@ -11839,7 +11982,7 @@
           <a:p>
             <a:r>
               <a:rPr lang="en-ID" dirty="0"/>
-              <a:t>2. Buka http://localhost/phpmyadmin</a:t>
+              <a:t>2. Buka http://localhost:80/phpmyadmin</a:t>
             </a:r>
           </a:p>
         </p:txBody>
